--- a/classification/doc/digit_recognition_with_knn.pptx
+++ b/classification/doc/digit_recognition_with_knn.pptx
@@ -1082,7 +1082,7 @@
               <a:buNone/>
             </a:pPr>
             <a:r>
-              <a:rPr lang="en-US" dirty="0" smtClean="0"/>
+              <a:rPr lang="en-US" dirty="0"/>
               <a:t>Modified National Institute of Standards and Technology</a:t>
             </a:r>
           </a:p>
@@ -1107,15 +1107,15 @@
               <a:defRPr/>
             </a:pPr>
             <a:r>
-              <a:rPr lang="en-US" sz="1100" dirty="0" smtClean="0"/>
+              <a:rPr lang="en-US" sz="1100" dirty="0"/>
               <a:t>Yann </a:t>
             </a:r>
             <a:r>
-              <a:rPr lang="en-US" sz="1100" dirty="0" err="1" smtClean="0"/>
+              <a:rPr lang="en-US" sz="1100" dirty="0" err="1"/>
               <a:t>LeCun</a:t>
             </a:r>
             <a:r>
-              <a:rPr lang="en-US" sz="1100" dirty="0" smtClean="0"/>
+              <a:rPr lang="en-US" sz="1100" dirty="0"/>
               <a:t>, Corinna Cortes, and Christopher Burges</a:t>
             </a:r>
           </a:p>
@@ -6559,12 +6559,8 @@
               <a:buNone/>
             </a:pPr>
             <a:r>
-              <a:rPr lang="en" dirty="0" smtClean="0"/>
-              <a:t>Digit </a:t>
-            </a:r>
-            <a:r>
               <a:rPr lang="en" dirty="0"/>
-              <a:t>Recognition w/ KNN</a:t>
+              <a:t>Digit Recognition w/ KNN</a:t>
             </a:r>
             <a:endParaRPr dirty="0"/>
           </a:p>
@@ -11978,48 +11974,8 @@
               <a:buNone/>
             </a:pPr>
             <a:r>
-              <a:rPr lang="en-US" sz="1800" dirty="0" smtClean="0"/>
-              <a:t>Dataset of 70,000 </a:t>
-            </a:r>
-            <a:r>
               <a:rPr lang="en-US" sz="1800" dirty="0"/>
-              <a:t>labeled </a:t>
-            </a:r>
-            <a:r>
-              <a:rPr lang="en-US" sz="1800" dirty="0" smtClean="0"/>
-              <a:t>digits compiled </a:t>
-            </a:r>
-            <a:r>
-              <a:rPr lang="en-US" sz="1800" dirty="0"/>
-              <a:t>by </a:t>
-            </a:r>
-            <a:r>
-              <a:rPr lang="en-US" sz="1800" dirty="0" smtClean="0"/>
-              <a:t>ANN </a:t>
-            </a:r>
-            <a:r>
-              <a:rPr lang="en-US" sz="1800" dirty="0"/>
-              <a:t>researchers </a:t>
-            </a:r>
-            <a:r>
-              <a:rPr lang="en-US" sz="1800" dirty="0" smtClean="0"/>
-              <a:t>who combined </a:t>
-            </a:r>
-            <a:r>
-              <a:rPr lang="en-US" sz="1800" dirty="0"/>
-              <a:t>and </a:t>
-            </a:r>
-            <a:r>
-              <a:rPr lang="en-US" sz="1800" dirty="0" smtClean="0"/>
-              <a:t>normalized </a:t>
-            </a:r>
-            <a:r>
-              <a:rPr lang="en-US" sz="1800" dirty="0"/>
-              <a:t>two NIST </a:t>
-            </a:r>
-            <a:r>
-              <a:rPr lang="en-US" sz="1800" dirty="0" smtClean="0"/>
-              <a:t>datasets</a:t>
+              <a:t>Dataset of 70,000 labeled digits compiled by ANN researchers who combined and normalized two NIST datasets</a:t>
             </a:r>
           </a:p>
           <a:p>
@@ -12032,31 +11988,15 @@
               </a:spcAft>
             </a:pPr>
             <a:r>
-              <a:rPr lang="en-US" sz="1700" dirty="0" smtClean="0"/>
-              <a:t>US </a:t>
-            </a:r>
-            <a:r>
               <a:rPr lang="en-US" sz="1700" dirty="0"/>
-              <a:t>Census </a:t>
-            </a:r>
-            <a:r>
-              <a:rPr lang="en-US" sz="1700" dirty="0" smtClean="0"/>
-              <a:t>Bureau &amp; </a:t>
+              <a:t>US Census Bureau &amp; </a:t>
             </a:r>
             <a:br>
-              <a:rPr lang="en-US" sz="1700" dirty="0" smtClean="0"/>
+              <a:rPr lang="en-US" sz="1700" dirty="0"/>
             </a:br>
             <a:r>
-              <a:rPr lang="en-US" sz="1700" dirty="0" smtClean="0"/>
-              <a:t>High </a:t>
-            </a:r>
-            <a:r>
               <a:rPr lang="en-US" sz="1700" dirty="0"/>
-              <a:t>School </a:t>
-            </a:r>
-            <a:r>
-              <a:rPr lang="en-US" sz="1700" dirty="0" smtClean="0"/>
-              <a:t>Students</a:t>
+              <a:t>High School Students</a:t>
             </a:r>
             <a:endParaRPr lang="en-US" sz="1200" dirty="0"/>
           </a:p>
@@ -12070,16 +12010,8 @@
               </a:spcAft>
             </a:pPr>
             <a:r>
-              <a:rPr lang="en-US" sz="1700" dirty="0" smtClean="0"/>
-              <a:t>Every digit </a:t>
-            </a:r>
-            <a:r>
               <a:rPr lang="en-US" sz="1700" dirty="0"/>
-              <a:t>is </a:t>
-            </a:r>
-            <a:r>
-              <a:rPr lang="en-US" sz="1700" dirty="0" smtClean="0"/>
-              <a:t>centered</a:t>
+              <a:t>Every digit is centered</a:t>
             </a:r>
           </a:p>
           <a:p>
@@ -12092,7 +12024,7 @@
               </a:spcAft>
             </a:pPr>
             <a:r>
-              <a:rPr lang="en-US" sz="1700" dirty="0" smtClean="0"/>
+              <a:rPr lang="en-US" sz="1700" dirty="0"/>
               <a:t>Normalized grayscale</a:t>
             </a:r>
           </a:p>
@@ -12106,26 +12038,14 @@
               </a:spcAft>
             </a:pPr>
             <a:r>
-              <a:rPr lang="en-US" sz="1700" dirty="0" smtClean="0"/>
+              <a:rPr lang="en-US" sz="1700" dirty="0"/>
               <a:t>Resized 28x28 </a:t>
-            </a:r>
-            <a:r>
-              <a:rPr lang="en-US" sz="1700" dirty="0" smtClean="0">
-                <a:sym typeface="Wingdings" panose="05000000000000000000" pitchFamily="2" charset="2"/>
-              </a:rPr>
-              <a:t>for </a:t>
             </a:r>
             <a:r>
               <a:rPr lang="en-US" sz="1700" dirty="0">
                 <a:sym typeface="Wingdings" panose="05000000000000000000" pitchFamily="2" charset="2"/>
               </a:rPr>
-              <a:t>728 </a:t>
-            </a:r>
-            <a:r>
-              <a:rPr lang="en-US" sz="1700" dirty="0" smtClean="0">
-                <a:sym typeface="Wingdings" panose="05000000000000000000" pitchFamily="2" charset="2"/>
-              </a:rPr>
-              <a:t>features</a:t>
+              <a:t>for 728 features</a:t>
             </a:r>
             <a:endParaRPr lang="en-US" sz="1700" dirty="0"/>
           </a:p>
@@ -12413,10 +12333,9 @@
           <a:lstStyle/>
           <a:p>
             <a:r>
-              <a:rPr lang="en-US" dirty="0" smtClean="0"/>
+              <a:rPr lang="en-US" dirty="0"/>
               <a:t>MNIST Dataset</a:t>
             </a:r>
-            <a:endParaRPr lang="en-US" dirty="0"/>
           </a:p>
         </p:txBody>
       </p:sp>
@@ -12432,7 +12351,9 @@
         </p:nvSpPr>
         <p:spPr/>
         <p:txBody>
-          <a:bodyPr/>
+          <a:bodyPr>
+            <a:normAutofit fontScale="92500" lnSpcReduction="20000"/>
+          </a:bodyPr>
           <a:lstStyle/>
           <a:p>
             <a:pPr marL="114300" indent="0">
@@ -12487,7 +12408,7 @@
               <a:t> </a:t>
             </a:r>
             <a:r>
-              <a:rPr lang="en-US" b="1" dirty="0" err="1" smtClean="0">
+              <a:rPr lang="en-US" b="1" dirty="0" err="1">
                 <a:solidFill>
                   <a:schemeClr val="bg2"/>
                 </a:solidFill>
@@ -12496,7 +12417,7 @@
               </a:rPr>
               <a:t>fetch_openml</a:t>
             </a:r>
-            <a:endParaRPr lang="en-US" b="1" dirty="0" smtClean="0">
+            <a:endParaRPr lang="en-US" b="1" dirty="0">
               <a:solidFill>
                 <a:schemeClr val="bg2"/>
               </a:solidFill>
@@ -12509,7 +12430,7 @@
               <a:buNone/>
             </a:pPr>
             <a:r>
-              <a:rPr lang="en-US" b="1" dirty="0" smtClean="0">
+              <a:rPr lang="en-US" b="1" dirty="0">
                 <a:solidFill>
                   <a:srgbClr val="C00000"/>
                 </a:solidFill>
@@ -12519,7 +12440,7 @@
               <a:t>import</a:t>
             </a:r>
             <a:r>
-              <a:rPr lang="en-US" b="1" dirty="0" smtClean="0">
+              <a:rPr lang="en-US" b="1" dirty="0">
                 <a:latin typeface="Courier New" panose="02070309020205020404" pitchFamily="49" charset="0"/>
                 <a:cs typeface="Courier New" panose="02070309020205020404" pitchFamily="49" charset="0"/>
               </a:rPr>
@@ -12557,7 +12478,7 @@
               <a:t> </a:t>
             </a:r>
             <a:r>
-              <a:rPr lang="en-US" b="1" dirty="0" smtClean="0">
+              <a:rPr lang="en-US" b="1" dirty="0">
                 <a:solidFill>
                   <a:schemeClr val="bg2"/>
                 </a:solidFill>
@@ -12566,282 +12487,6 @@
               </a:rPr>
               <a:t>np</a:t>
             </a:r>
-          </a:p>
-          <a:p>
-            <a:pPr marL="114300" indent="0">
-              <a:buNone/>
-            </a:pPr>
-            <a:endParaRPr lang="en-US" b="1" dirty="0" smtClean="0">
-              <a:latin typeface="Courier New" panose="02070309020205020404" pitchFamily="49" charset="0"/>
-              <a:cs typeface="Courier New" panose="02070309020205020404" pitchFamily="49" charset="0"/>
-            </a:endParaRPr>
-          </a:p>
-          <a:p>
-            <a:pPr marL="114300" indent="0">
-              <a:buNone/>
-            </a:pPr>
-            <a:r>
-              <a:rPr lang="en-US" b="1" dirty="0" smtClean="0">
-                <a:solidFill>
-                  <a:schemeClr val="bg2">
-                    <a:lumMod val="60000"/>
-                    <a:lumOff val="40000"/>
-                  </a:schemeClr>
-                </a:solidFill>
-                <a:latin typeface="Courier New" panose="02070309020205020404" pitchFamily="49" charset="0"/>
-                <a:cs typeface="Courier New" panose="02070309020205020404" pitchFamily="49" charset="0"/>
-              </a:rPr>
-              <a:t># Download from internet</a:t>
-            </a:r>
-          </a:p>
-          <a:p>
-            <a:pPr marL="114300" indent="0">
-              <a:buNone/>
-            </a:pPr>
-            <a:r>
-              <a:rPr lang="en-US" b="1" dirty="0" err="1" smtClean="0">
-                <a:solidFill>
-                  <a:srgbClr val="7030A0"/>
-                </a:solidFill>
-                <a:latin typeface="Courier New" panose="02070309020205020404" pitchFamily="49" charset="0"/>
-                <a:cs typeface="Courier New" panose="02070309020205020404" pitchFamily="49" charset="0"/>
-              </a:rPr>
-              <a:t>mnist</a:t>
-            </a:r>
-            <a:r>
-              <a:rPr lang="en-US" b="1" dirty="0" smtClean="0">
-                <a:latin typeface="Courier New" panose="02070309020205020404" pitchFamily="49" charset="0"/>
-                <a:cs typeface="Courier New" panose="02070309020205020404" pitchFamily="49" charset="0"/>
-              </a:rPr>
-              <a:t> </a:t>
-            </a:r>
-            <a:r>
-              <a:rPr lang="en-US" b="1" dirty="0">
-                <a:latin typeface="Courier New" panose="02070309020205020404" pitchFamily="49" charset="0"/>
-                <a:cs typeface="Courier New" panose="02070309020205020404" pitchFamily="49" charset="0"/>
-              </a:rPr>
-              <a:t>= </a:t>
-            </a:r>
-            <a:r>
-              <a:rPr lang="en-US" b="1" dirty="0" err="1">
-                <a:solidFill>
-                  <a:schemeClr val="bg2"/>
-                </a:solidFill>
-                <a:latin typeface="Courier New" panose="02070309020205020404" pitchFamily="49" charset="0"/>
-                <a:cs typeface="Courier New" panose="02070309020205020404" pitchFamily="49" charset="0"/>
-              </a:rPr>
-              <a:t>fetch_openml</a:t>
-            </a:r>
-            <a:r>
-              <a:rPr lang="en-US" b="1" dirty="0" smtClean="0">
-                <a:latin typeface="Courier New" panose="02070309020205020404" pitchFamily="49" charset="0"/>
-                <a:cs typeface="Courier New" panose="02070309020205020404" pitchFamily="49" charset="0"/>
-              </a:rPr>
-              <a:t>(</a:t>
-            </a:r>
-            <a:r>
-              <a:rPr lang="en-US" b="1" dirty="0">
-                <a:solidFill>
-                  <a:srgbClr val="00B050"/>
-                </a:solidFill>
-                <a:latin typeface="Courier New" panose="02070309020205020404" pitchFamily="49" charset="0"/>
-                <a:cs typeface="Courier New" panose="02070309020205020404" pitchFamily="49" charset="0"/>
-              </a:rPr>
-              <a:t>'mnist_784'</a:t>
-            </a:r>
-            <a:r>
-              <a:rPr lang="en-US" b="1" dirty="0">
-                <a:latin typeface="Courier New" panose="02070309020205020404" pitchFamily="49" charset="0"/>
-                <a:cs typeface="Courier New" panose="02070309020205020404" pitchFamily="49" charset="0"/>
-              </a:rPr>
-              <a:t>, </a:t>
-            </a:r>
-            <a:r>
-              <a:rPr lang="en-US" b="1" dirty="0">
-                <a:solidFill>
-                  <a:schemeClr val="accent4">
-                    <a:lumMod val="75000"/>
-                  </a:schemeClr>
-                </a:solidFill>
-                <a:latin typeface="Courier New" panose="02070309020205020404" pitchFamily="49" charset="0"/>
-                <a:cs typeface="Courier New" panose="02070309020205020404" pitchFamily="49" charset="0"/>
-              </a:rPr>
-              <a:t>version</a:t>
-            </a:r>
-            <a:r>
-              <a:rPr lang="en-US" b="1" dirty="0">
-                <a:latin typeface="Courier New" panose="02070309020205020404" pitchFamily="49" charset="0"/>
-                <a:cs typeface="Courier New" panose="02070309020205020404" pitchFamily="49" charset="0"/>
-              </a:rPr>
-              <a:t>=</a:t>
-            </a:r>
-            <a:r>
-              <a:rPr lang="en-US" b="1" dirty="0">
-                <a:solidFill>
-                  <a:schemeClr val="accent1">
-                    <a:lumMod val="75000"/>
-                  </a:schemeClr>
-                </a:solidFill>
-                <a:latin typeface="Courier New" panose="02070309020205020404" pitchFamily="49" charset="0"/>
-                <a:cs typeface="Courier New" panose="02070309020205020404" pitchFamily="49" charset="0"/>
-              </a:rPr>
-              <a:t>1</a:t>
-            </a:r>
-            <a:r>
-              <a:rPr lang="en-US" b="1" dirty="0">
-                <a:latin typeface="Courier New" panose="02070309020205020404" pitchFamily="49" charset="0"/>
-                <a:cs typeface="Courier New" panose="02070309020205020404" pitchFamily="49" charset="0"/>
-              </a:rPr>
-              <a:t>, </a:t>
-            </a:r>
-            <a:r>
-              <a:rPr lang="en-US" b="1" dirty="0" err="1" smtClean="0">
-                <a:solidFill>
-                  <a:schemeClr val="accent4">
-                    <a:lumMod val="75000"/>
-                  </a:schemeClr>
-                </a:solidFill>
-                <a:latin typeface="Courier New" panose="02070309020205020404" pitchFamily="49" charset="0"/>
-                <a:cs typeface="Courier New" panose="02070309020205020404" pitchFamily="49" charset="0"/>
-              </a:rPr>
-              <a:t>as_frame</a:t>
-            </a:r>
-            <a:r>
-              <a:rPr lang="en-US" b="1" dirty="0" smtClean="0">
-                <a:latin typeface="Courier New" panose="02070309020205020404" pitchFamily="49" charset="0"/>
-                <a:cs typeface="Courier New" panose="02070309020205020404" pitchFamily="49" charset="0"/>
-              </a:rPr>
-              <a:t>=</a:t>
-            </a:r>
-            <a:r>
-              <a:rPr lang="en-US" b="1" dirty="0" smtClean="0">
-                <a:solidFill>
-                  <a:schemeClr val="accent1">
-                    <a:lumMod val="75000"/>
-                  </a:schemeClr>
-                </a:solidFill>
-                <a:latin typeface="Courier New" panose="02070309020205020404" pitchFamily="49" charset="0"/>
-                <a:cs typeface="Courier New" panose="02070309020205020404" pitchFamily="49" charset="0"/>
-              </a:rPr>
-              <a:t>False</a:t>
-            </a:r>
-            <a:r>
-              <a:rPr lang="en-US" b="1" dirty="0" smtClean="0">
-                <a:latin typeface="Courier New" panose="02070309020205020404" pitchFamily="49" charset="0"/>
-                <a:cs typeface="Courier New" panose="02070309020205020404" pitchFamily="49" charset="0"/>
-              </a:rPr>
-              <a:t>)</a:t>
-            </a:r>
-          </a:p>
-          <a:p>
-            <a:pPr marL="114300" indent="0">
-              <a:buNone/>
-            </a:pPr>
-            <a:r>
-              <a:rPr lang="en-US" b="1" dirty="0" smtClean="0">
-                <a:solidFill>
-                  <a:srgbClr val="7030A0"/>
-                </a:solidFill>
-                <a:latin typeface="Courier New" panose="02070309020205020404" pitchFamily="49" charset="0"/>
-                <a:cs typeface="Courier New" panose="02070309020205020404" pitchFamily="49" charset="0"/>
-              </a:rPr>
-              <a:t>X</a:t>
-            </a:r>
-            <a:r>
-              <a:rPr lang="en-US" b="1" dirty="0">
-                <a:latin typeface="Courier New" panose="02070309020205020404" pitchFamily="49" charset="0"/>
-                <a:cs typeface="Courier New" panose="02070309020205020404" pitchFamily="49" charset="0"/>
-              </a:rPr>
-              <a:t>, </a:t>
-            </a:r>
-            <a:r>
-              <a:rPr lang="en-US" b="1" dirty="0">
-                <a:solidFill>
-                  <a:srgbClr val="7030A0"/>
-                </a:solidFill>
-                <a:latin typeface="Courier New" panose="02070309020205020404" pitchFamily="49" charset="0"/>
-                <a:cs typeface="Courier New" panose="02070309020205020404" pitchFamily="49" charset="0"/>
-              </a:rPr>
-              <a:t>y</a:t>
-            </a:r>
-            <a:r>
-              <a:rPr lang="en-US" b="1" dirty="0">
-                <a:latin typeface="Courier New" panose="02070309020205020404" pitchFamily="49" charset="0"/>
-                <a:cs typeface="Courier New" panose="02070309020205020404" pitchFamily="49" charset="0"/>
-              </a:rPr>
-              <a:t> = </a:t>
-            </a:r>
-            <a:r>
-              <a:rPr lang="en-US" b="1" dirty="0" err="1">
-                <a:solidFill>
-                  <a:srgbClr val="7030A0"/>
-                </a:solidFill>
-                <a:latin typeface="Courier New" panose="02070309020205020404" pitchFamily="49" charset="0"/>
-                <a:cs typeface="Courier New" panose="02070309020205020404" pitchFamily="49" charset="0"/>
-              </a:rPr>
-              <a:t>mnist</a:t>
-            </a:r>
-            <a:r>
-              <a:rPr lang="en-US" b="1" dirty="0" err="1" smtClean="0">
-                <a:latin typeface="Courier New" panose="02070309020205020404" pitchFamily="49" charset="0"/>
-                <a:cs typeface="Courier New" panose="02070309020205020404" pitchFamily="49" charset="0"/>
-              </a:rPr>
-              <a:t>.data</a:t>
-            </a:r>
-            <a:r>
-              <a:rPr lang="en-US" b="1" dirty="0" smtClean="0">
-                <a:latin typeface="Courier New" panose="02070309020205020404" pitchFamily="49" charset="0"/>
-                <a:cs typeface="Courier New" panose="02070309020205020404" pitchFamily="49" charset="0"/>
-              </a:rPr>
-              <a:t>, </a:t>
-            </a:r>
-            <a:r>
-              <a:rPr lang="en-US" b="1" dirty="0" err="1" smtClean="0">
-                <a:solidFill>
-                  <a:schemeClr val="accent4">
-                    <a:lumMod val="75000"/>
-                  </a:schemeClr>
-                </a:solidFill>
-                <a:latin typeface="Courier New" panose="02070309020205020404" pitchFamily="49" charset="0"/>
-                <a:cs typeface="Courier New" panose="02070309020205020404" pitchFamily="49" charset="0"/>
-              </a:rPr>
-              <a:t>mnist</a:t>
-            </a:r>
-            <a:r>
-              <a:rPr lang="en-US" b="1" dirty="0" err="1" smtClean="0">
-                <a:latin typeface="Courier New" panose="02070309020205020404" pitchFamily="49" charset="0"/>
-                <a:cs typeface="Courier New" panose="02070309020205020404" pitchFamily="49" charset="0"/>
-              </a:rPr>
-              <a:t>.target.</a:t>
-            </a:r>
-            <a:r>
-              <a:rPr lang="en-US" b="1" dirty="0" err="1" smtClean="0">
-                <a:solidFill>
-                  <a:schemeClr val="bg2"/>
-                </a:solidFill>
-                <a:latin typeface="Courier New" panose="02070309020205020404" pitchFamily="49" charset="0"/>
-                <a:cs typeface="Courier New" panose="02070309020205020404" pitchFamily="49" charset="0"/>
-              </a:rPr>
-              <a:t>astype</a:t>
-            </a:r>
-            <a:r>
-              <a:rPr lang="en-US" b="1" dirty="0" smtClean="0">
-                <a:latin typeface="Courier New" panose="02070309020205020404" pitchFamily="49" charset="0"/>
-                <a:cs typeface="Courier New" panose="02070309020205020404" pitchFamily="49" charset="0"/>
-              </a:rPr>
-              <a:t>(np.uint8</a:t>
-            </a:r>
-            <a:r>
-              <a:rPr lang="en-US" b="1" dirty="0">
-                <a:latin typeface="Courier New" panose="02070309020205020404" pitchFamily="49" charset="0"/>
-                <a:cs typeface="Courier New" panose="02070309020205020404" pitchFamily="49" charset="0"/>
-              </a:rPr>
-              <a:t>)</a:t>
-            </a:r>
-            <a:endParaRPr lang="en-US" b="1" dirty="0" smtClean="0">
-              <a:latin typeface="Courier New" panose="02070309020205020404" pitchFamily="49" charset="0"/>
-              <a:cs typeface="Courier New" panose="02070309020205020404" pitchFamily="49" charset="0"/>
-            </a:endParaRPr>
           </a:p>
           <a:p>
             <a:pPr marL="114300" indent="0">
@@ -12857,7 +12502,7 @@
               <a:buNone/>
             </a:pPr>
             <a:r>
-              <a:rPr lang="en-US" b="1" dirty="0" smtClean="0">
+              <a:rPr lang="en-US" b="1" dirty="0">
                 <a:solidFill>
                   <a:schemeClr val="bg2">
                     <a:lumMod val="60000"/>
@@ -12867,7 +12512,7 @@
                 <a:latin typeface="Courier New" panose="02070309020205020404" pitchFamily="49" charset="0"/>
                 <a:cs typeface="Courier New" panose="02070309020205020404" pitchFamily="49" charset="0"/>
               </a:rPr>
-              <a:t># Cache locally to save time? Something like this...</a:t>
+              <a:t># Download from internet</a:t>
             </a:r>
           </a:p>
           <a:p>
@@ -12875,99 +12520,58 @@
               <a:buNone/>
             </a:pPr>
             <a:r>
-              <a:rPr lang="en-US" b="1" dirty="0" err="1" smtClean="0">
+              <a:rPr lang="en-US" b="1" dirty="0" err="1">
+                <a:solidFill>
+                  <a:srgbClr val="7030A0"/>
+                </a:solidFill>
                 <a:latin typeface="Courier New" panose="02070309020205020404" pitchFamily="49" charset="0"/>
                 <a:cs typeface="Courier New" panose="02070309020205020404" pitchFamily="49" charset="0"/>
               </a:rPr>
-              <a:t>np.savetxt</a:t>
-            </a:r>
-            <a:r>
-              <a:rPr lang="en-US" b="1" dirty="0" smtClean="0">
+              <a:t>mnist</a:t>
+            </a:r>
+            <a:r>
+              <a:rPr lang="en-US" b="1" dirty="0">
                 <a:latin typeface="Courier New" panose="02070309020205020404" pitchFamily="49" charset="0"/>
                 <a:cs typeface="Courier New" panose="02070309020205020404" pitchFamily="49" charset="0"/>
               </a:rPr>
-              <a:t>(</a:t>
-            </a:r>
-            <a:r>
-              <a:rPr lang="en-US" b="1" dirty="0" smtClean="0">
-                <a:solidFill>
-                  <a:srgbClr val="00B050"/>
+              <a:t> = </a:t>
+            </a:r>
+            <a:r>
+              <a:rPr lang="en-US" b="1" dirty="0" err="1">
+                <a:solidFill>
+                  <a:schemeClr val="bg2"/>
                 </a:solidFill>
                 <a:latin typeface="Courier New" panose="02070309020205020404" pitchFamily="49" charset="0"/>
                 <a:cs typeface="Courier New" panose="02070309020205020404" pitchFamily="49" charset="0"/>
               </a:rPr>
-              <a:t>'mnist.csv'</a:t>
-            </a:r>
-            <a:r>
-              <a:rPr lang="en-US" b="1" dirty="0" smtClean="0">
+              <a:t>fetch_openml</a:t>
+            </a:r>
+            <a:r>
+              <a:rPr lang="en-US" b="1" dirty="0">
                 <a:latin typeface="Courier New" panose="02070309020205020404" pitchFamily="49" charset="0"/>
                 <a:cs typeface="Courier New" panose="02070309020205020404" pitchFamily="49" charset="0"/>
               </a:rPr>
-              <a:t>, </a:t>
-            </a:r>
-            <a:r>
-              <a:rPr lang="en-US" b="1" dirty="0" err="1" smtClean="0">
+              <a:t>(</a:t>
+            </a:r>
+            <a:r>
+              <a:rPr lang="en-US" b="1" dirty="0">
+                <a:solidFill>
+                  <a:srgbClr val="00B050"/>
+                </a:solidFill>
                 <a:latin typeface="Courier New" panose="02070309020205020404" pitchFamily="49" charset="0"/>
                 <a:cs typeface="Courier New" panose="02070309020205020404" pitchFamily="49" charset="0"/>
               </a:rPr>
-              <a:t>np.column_stack</a:t>
-            </a:r>
-            <a:r>
-              <a:rPr lang="en-US" b="1" dirty="0" smtClean="0">
+              <a:t>'mnist_784'</a:t>
+            </a:r>
+            <a:r>
+              <a:rPr lang="en-US" b="1" dirty="0">
                 <a:latin typeface="Courier New" panose="02070309020205020404" pitchFamily="49" charset="0"/>
                 <a:cs typeface="Courier New" panose="02070309020205020404" pitchFamily="49" charset="0"/>
               </a:rPr>
-              <a:t>((</a:t>
-            </a:r>
-            <a:r>
-              <a:rPr lang="en-US" b="1" dirty="0" smtClean="0">
-                <a:solidFill>
-                  <a:srgbClr val="7030A0"/>
-                </a:solidFill>
-                <a:latin typeface="Courier New" panose="02070309020205020404" pitchFamily="49" charset="0"/>
-                <a:cs typeface="Courier New" panose="02070309020205020404" pitchFamily="49" charset="0"/>
-              </a:rPr>
-              <a:t>y</a:t>
-            </a:r>
-            <a:r>
-              <a:rPr lang="en-US" b="1" dirty="0" smtClean="0">
-                <a:latin typeface="Courier New" panose="02070309020205020404" pitchFamily="49" charset="0"/>
-                <a:cs typeface="Courier New" panose="02070309020205020404" pitchFamily="49" charset="0"/>
-              </a:rPr>
               <a:t>, </a:t>
             </a:r>
             <a:r>
-              <a:rPr lang="en-US" b="1" dirty="0" smtClean="0">
-                <a:solidFill>
-                  <a:srgbClr val="7030A0"/>
-                </a:solidFill>
-                <a:latin typeface="Courier New" panose="02070309020205020404" pitchFamily="49" charset="0"/>
-                <a:cs typeface="Courier New" panose="02070309020205020404" pitchFamily="49" charset="0"/>
-              </a:rPr>
-              <a:t>X</a:t>
-            </a:r>
-            <a:r>
-              <a:rPr lang="en-US" b="1" dirty="0" smtClean="0">
-                <a:latin typeface="Courier New" panose="02070309020205020404" pitchFamily="49" charset="0"/>
-                <a:cs typeface="Courier New" panose="02070309020205020404" pitchFamily="49" charset="0"/>
-              </a:rPr>
-              <a:t>)),</a:t>
-            </a:r>
-            <a:br>
-              <a:rPr lang="en-US" b="1" dirty="0" smtClean="0">
-                <a:latin typeface="Courier New" panose="02070309020205020404" pitchFamily="49" charset="0"/>
-                <a:cs typeface="Courier New" panose="02070309020205020404" pitchFamily="49" charset="0"/>
-              </a:rPr>
-            </a:br>
-            <a:r>
-              <a:rPr lang="en-US" b="1" dirty="0" smtClean="0">
-                <a:latin typeface="Courier New" panose="02070309020205020404" pitchFamily="49" charset="0"/>
-                <a:cs typeface="Courier New" panose="02070309020205020404" pitchFamily="49" charset="0"/>
-              </a:rPr>
-              <a:t>           </a:t>
-            </a:r>
-            <a:r>
-              <a:rPr lang="en-US" b="1" dirty="0" smtClean="0">
+              <a:rPr lang="en-US" b="1" dirty="0">
                 <a:solidFill>
                   <a:schemeClr val="accent4">
                     <a:lumMod val="75000"/>
@@ -12976,34 +12580,36 @@
                 <a:latin typeface="Courier New" panose="02070309020205020404" pitchFamily="49" charset="0"/>
                 <a:cs typeface="Courier New" panose="02070309020205020404" pitchFamily="49" charset="0"/>
               </a:rPr>
-              <a:t>delimiter</a:t>
-            </a:r>
-            <a:r>
-              <a:rPr lang="en-US" b="1" dirty="0" smtClean="0">
+              <a:t>version</a:t>
+            </a:r>
+            <a:r>
+              <a:rPr lang="en-US" b="1" dirty="0">
                 <a:latin typeface="Courier New" panose="02070309020205020404" pitchFamily="49" charset="0"/>
                 <a:cs typeface="Courier New" panose="02070309020205020404" pitchFamily="49" charset="0"/>
               </a:rPr>
               <a:t>=</a:t>
             </a:r>
             <a:r>
-              <a:rPr lang="en-US" b="1" dirty="0" smtClean="0">
-                <a:solidFill>
-                  <a:srgbClr val="00B050"/>
+              <a:rPr lang="en-US" b="1" dirty="0">
+                <a:solidFill>
+                  <a:schemeClr val="accent1">
+                    <a:lumMod val="75000"/>
+                  </a:schemeClr>
                 </a:solidFill>
                 <a:latin typeface="Courier New" panose="02070309020205020404" pitchFamily="49" charset="0"/>
                 <a:cs typeface="Courier New" panose="02070309020205020404" pitchFamily="49" charset="0"/>
               </a:rPr>
-              <a:t>','</a:t>
-            </a:r>
-            <a:r>
-              <a:rPr lang="en-US" b="1" dirty="0" smtClean="0">
+              <a:t>1</a:t>
+            </a:r>
+            <a:r>
+              <a:rPr lang="en-US" b="1" dirty="0">
                 <a:latin typeface="Courier New" panose="02070309020205020404" pitchFamily="49" charset="0"/>
                 <a:cs typeface="Courier New" panose="02070309020205020404" pitchFamily="49" charset="0"/>
               </a:rPr>
               <a:t>, </a:t>
             </a:r>
             <a:r>
-              <a:rPr lang="en-US" b="1" dirty="0" err="1" smtClean="0">
+              <a:rPr lang="en-US" b="1" dirty="0" err="1">
                 <a:solidFill>
                   <a:schemeClr val="accent4">
                     <a:lumMod val="75000"/>
@@ -13012,36 +12618,351 @@
                 <a:latin typeface="Courier New" panose="02070309020205020404" pitchFamily="49" charset="0"/>
                 <a:cs typeface="Courier New" panose="02070309020205020404" pitchFamily="49" charset="0"/>
               </a:rPr>
-              <a:t>fmt</a:t>
-            </a:r>
-            <a:r>
-              <a:rPr lang="en-US" b="1" dirty="0" smtClean="0">
+              <a:t>as_frame</a:t>
+            </a:r>
+            <a:r>
+              <a:rPr lang="en-US" b="1" dirty="0">
                 <a:latin typeface="Courier New" panose="02070309020205020404" pitchFamily="49" charset="0"/>
                 <a:cs typeface="Courier New" panose="02070309020205020404" pitchFamily="49" charset="0"/>
               </a:rPr>
               <a:t>=</a:t>
             </a:r>
             <a:r>
-              <a:rPr lang="en-US" b="1" dirty="0" smtClean="0">
-                <a:solidFill>
-                  <a:srgbClr val="00B050"/>
+              <a:rPr lang="en-US" b="1" dirty="0">
+                <a:solidFill>
+                  <a:schemeClr val="accent1">
+                    <a:lumMod val="75000"/>
+                  </a:schemeClr>
                 </a:solidFill>
                 <a:latin typeface="Courier New" panose="02070309020205020404" pitchFamily="49" charset="0"/>
                 <a:cs typeface="Courier New" panose="02070309020205020404" pitchFamily="49" charset="0"/>
               </a:rPr>
-              <a:t>'%d'</a:t>
-            </a:r>
-            <a:r>
-              <a:rPr lang="en-US" b="1" dirty="0" smtClean="0">
+              <a:t>False</a:t>
+            </a:r>
+            <a:r>
+              <a:rPr lang="en-US" b="1" dirty="0">
                 <a:latin typeface="Courier New" panose="02070309020205020404" pitchFamily="49" charset="0"/>
                 <a:cs typeface="Courier New" panose="02070309020205020404" pitchFamily="49" charset="0"/>
               </a:rPr>
               <a:t>)</a:t>
             </a:r>
+          </a:p>
+          <a:p>
+            <a:pPr marL="114300" indent="0">
+              <a:buNone/>
+            </a:pPr>
+            <a:r>
+              <a:rPr lang="en-US" b="1" dirty="0">
+                <a:solidFill>
+                  <a:srgbClr val="7030A0"/>
+                </a:solidFill>
+                <a:latin typeface="Courier New" panose="02070309020205020404" pitchFamily="49" charset="0"/>
+                <a:cs typeface="Courier New" panose="02070309020205020404" pitchFamily="49" charset="0"/>
+              </a:rPr>
+              <a:t>X</a:t>
+            </a:r>
+            <a:r>
+              <a:rPr lang="en-US" b="1" dirty="0">
+                <a:latin typeface="Courier New" panose="02070309020205020404" pitchFamily="49" charset="0"/>
+                <a:cs typeface="Courier New" panose="02070309020205020404" pitchFamily="49" charset="0"/>
+              </a:rPr>
+              <a:t> = </a:t>
+            </a:r>
+            <a:r>
+              <a:rPr lang="en-US" b="1" dirty="0" err="1">
+                <a:solidFill>
+                  <a:srgbClr val="7030A0"/>
+                </a:solidFill>
+                <a:latin typeface="Courier New" panose="02070309020205020404" pitchFamily="49" charset="0"/>
+                <a:cs typeface="Courier New" panose="02070309020205020404" pitchFamily="49" charset="0"/>
+              </a:rPr>
+              <a:t>mnist</a:t>
+            </a:r>
+            <a:r>
+              <a:rPr lang="en-US" b="1" dirty="0" err="1">
+                <a:latin typeface="Courier New" panose="02070309020205020404" pitchFamily="49" charset="0"/>
+                <a:cs typeface="Courier New" panose="02070309020205020404" pitchFamily="49" charset="0"/>
+              </a:rPr>
+              <a:t>.data.</a:t>
+            </a:r>
+            <a:r>
+              <a:rPr lang="en-US" b="1" dirty="0" err="1">
+                <a:solidFill>
+                  <a:schemeClr val="bg2"/>
+                </a:solidFill>
+                <a:latin typeface="Courier New" panose="02070309020205020404" pitchFamily="49" charset="0"/>
+                <a:cs typeface="Courier New" panose="02070309020205020404" pitchFamily="49" charset="0"/>
+              </a:rPr>
+              <a:t>astype</a:t>
+            </a:r>
+            <a:r>
+              <a:rPr lang="en-US" b="1" dirty="0">
+                <a:latin typeface="Courier New" panose="02070309020205020404" pitchFamily="49" charset="0"/>
+                <a:cs typeface="Courier New" panose="02070309020205020404" pitchFamily="49" charset="0"/>
+              </a:rPr>
+              <a:t>(np.uint8) </a:t>
+            </a:r>
+          </a:p>
+          <a:p>
+            <a:pPr marL="114300" indent="0">
+              <a:buNone/>
+            </a:pPr>
+            <a:r>
+              <a:rPr lang="en-US" b="1" dirty="0">
+                <a:solidFill>
+                  <a:srgbClr val="7030A0"/>
+                </a:solidFill>
+                <a:latin typeface="Courier New" panose="02070309020205020404" pitchFamily="49" charset="0"/>
+                <a:cs typeface="Courier New" panose="02070309020205020404" pitchFamily="49" charset="0"/>
+              </a:rPr>
+              <a:t>y</a:t>
+            </a:r>
+            <a:r>
+              <a:rPr lang="en-US" b="1" dirty="0">
+                <a:latin typeface="Courier New" panose="02070309020205020404" pitchFamily="49" charset="0"/>
+                <a:cs typeface="Courier New" panose="02070309020205020404" pitchFamily="49" charset="0"/>
+              </a:rPr>
+              <a:t> = </a:t>
+            </a:r>
+            <a:r>
+              <a:rPr lang="en-US" b="1" dirty="0" err="1">
+                <a:solidFill>
+                  <a:srgbClr val="7030A0"/>
+                </a:solidFill>
+                <a:latin typeface="Courier New" panose="02070309020205020404" pitchFamily="49" charset="0"/>
+                <a:cs typeface="Courier New" panose="02070309020205020404" pitchFamily="49" charset="0"/>
+              </a:rPr>
+              <a:t>mnist</a:t>
+            </a:r>
+            <a:r>
+              <a:rPr lang="en-US" b="1" dirty="0" err="1">
+                <a:latin typeface="Courier New" panose="02070309020205020404" pitchFamily="49" charset="0"/>
+                <a:cs typeface="Courier New" panose="02070309020205020404" pitchFamily="49" charset="0"/>
+              </a:rPr>
+              <a:t>.target.</a:t>
+            </a:r>
+            <a:r>
+              <a:rPr lang="en-US" b="1" dirty="0" err="1">
+                <a:solidFill>
+                  <a:schemeClr val="bg2"/>
+                </a:solidFill>
+                <a:latin typeface="Courier New" panose="02070309020205020404" pitchFamily="49" charset="0"/>
+                <a:cs typeface="Courier New" panose="02070309020205020404" pitchFamily="49" charset="0"/>
+              </a:rPr>
+              <a:t>astype</a:t>
+            </a:r>
+            <a:r>
+              <a:rPr lang="en-US" b="1" dirty="0">
+                <a:latin typeface="Courier New" panose="02070309020205020404" pitchFamily="49" charset="0"/>
+                <a:cs typeface="Courier New" panose="02070309020205020404" pitchFamily="49" charset="0"/>
+              </a:rPr>
+              <a:t>(np.uint8)</a:t>
+            </a:r>
+          </a:p>
+          <a:p>
+            <a:pPr marL="114300" indent="0">
+              <a:buNone/>
+            </a:pPr>
             <a:endParaRPr lang="en-US" b="1" dirty="0">
               <a:latin typeface="Courier New" panose="02070309020205020404" pitchFamily="49" charset="0"/>
               <a:cs typeface="Courier New" panose="02070309020205020404" pitchFamily="49" charset="0"/>
             </a:endParaRPr>
+          </a:p>
+          <a:p>
+            <a:pPr marL="114300" indent="0">
+              <a:buNone/>
+            </a:pPr>
+            <a:endParaRPr lang="en-US" b="1" dirty="0">
+              <a:latin typeface="Courier New" panose="02070309020205020404" pitchFamily="49" charset="0"/>
+              <a:cs typeface="Courier New" panose="02070309020205020404" pitchFamily="49" charset="0"/>
+            </a:endParaRPr>
+          </a:p>
+          <a:p>
+            <a:pPr marL="114300" indent="0">
+              <a:buNone/>
+            </a:pPr>
+            <a:r>
+              <a:rPr lang="en-US" b="1" dirty="0">
+                <a:solidFill>
+                  <a:schemeClr val="bg2">
+                    <a:lumMod val="60000"/>
+                    <a:lumOff val="40000"/>
+                  </a:schemeClr>
+                </a:solidFill>
+                <a:latin typeface="Courier New" panose="02070309020205020404" pitchFamily="49" charset="0"/>
+                <a:cs typeface="Courier New" panose="02070309020205020404" pitchFamily="49" charset="0"/>
+              </a:rPr>
+              <a:t># Cache locally to save time? Something like this...</a:t>
+            </a:r>
+          </a:p>
+          <a:p>
+            <a:pPr marL="114300" indent="0">
+              <a:buNone/>
+            </a:pPr>
+            <a:r>
+              <a:rPr lang="en-US" b="1" dirty="0" err="1">
+                <a:latin typeface="Courier New" panose="02070309020205020404" pitchFamily="49" charset="0"/>
+                <a:cs typeface="Courier New" panose="02070309020205020404" pitchFamily="49" charset="0"/>
+              </a:rPr>
+              <a:t>np.savetxt</a:t>
+            </a:r>
+            <a:r>
+              <a:rPr lang="en-US" b="1" dirty="0">
+                <a:latin typeface="Courier New" panose="02070309020205020404" pitchFamily="49" charset="0"/>
+                <a:cs typeface="Courier New" panose="02070309020205020404" pitchFamily="49" charset="0"/>
+              </a:rPr>
+              <a:t>(</a:t>
+            </a:r>
+            <a:r>
+              <a:rPr lang="en-US" b="1" dirty="0">
+                <a:solidFill>
+                  <a:srgbClr val="00B050"/>
+                </a:solidFill>
+                <a:latin typeface="Courier New" panose="02070309020205020404" pitchFamily="49" charset="0"/>
+                <a:cs typeface="Courier New" panose="02070309020205020404" pitchFamily="49" charset="0"/>
+              </a:rPr>
+              <a:t>'mnist.csv'</a:t>
+            </a:r>
+            <a:r>
+              <a:rPr lang="en-US" b="1" dirty="0">
+                <a:latin typeface="Courier New" panose="02070309020205020404" pitchFamily="49" charset="0"/>
+                <a:cs typeface="Courier New" panose="02070309020205020404" pitchFamily="49" charset="0"/>
+              </a:rPr>
+              <a:t>, </a:t>
+            </a:r>
+            <a:r>
+              <a:rPr lang="en-US" b="1" dirty="0" err="1">
+                <a:latin typeface="Courier New" panose="02070309020205020404" pitchFamily="49" charset="0"/>
+                <a:cs typeface="Courier New" panose="02070309020205020404" pitchFamily="49" charset="0"/>
+              </a:rPr>
+              <a:t>np.column_stack</a:t>
+            </a:r>
+            <a:r>
+              <a:rPr lang="en-US" b="1" dirty="0">
+                <a:latin typeface="Courier New" panose="02070309020205020404" pitchFamily="49" charset="0"/>
+                <a:cs typeface="Courier New" panose="02070309020205020404" pitchFamily="49" charset="0"/>
+              </a:rPr>
+              <a:t>((</a:t>
+            </a:r>
+            <a:r>
+              <a:rPr lang="en-US" b="1" dirty="0">
+                <a:solidFill>
+                  <a:srgbClr val="7030A0"/>
+                </a:solidFill>
+                <a:latin typeface="Courier New" panose="02070309020205020404" pitchFamily="49" charset="0"/>
+                <a:cs typeface="Courier New" panose="02070309020205020404" pitchFamily="49" charset="0"/>
+              </a:rPr>
+              <a:t>y</a:t>
+            </a:r>
+            <a:r>
+              <a:rPr lang="en-US" b="1" dirty="0">
+                <a:latin typeface="Courier New" panose="02070309020205020404" pitchFamily="49" charset="0"/>
+                <a:cs typeface="Courier New" panose="02070309020205020404" pitchFamily="49" charset="0"/>
+              </a:rPr>
+              <a:t>, </a:t>
+            </a:r>
+            <a:r>
+              <a:rPr lang="en-US" b="1" dirty="0">
+                <a:solidFill>
+                  <a:srgbClr val="7030A0"/>
+                </a:solidFill>
+                <a:latin typeface="Courier New" panose="02070309020205020404" pitchFamily="49" charset="0"/>
+                <a:cs typeface="Courier New" panose="02070309020205020404" pitchFamily="49" charset="0"/>
+              </a:rPr>
+              <a:t>X</a:t>
+            </a:r>
+            <a:r>
+              <a:rPr lang="en-US" b="1" dirty="0">
+                <a:latin typeface="Courier New" panose="02070309020205020404" pitchFamily="49" charset="0"/>
+                <a:cs typeface="Courier New" panose="02070309020205020404" pitchFamily="49" charset="0"/>
+              </a:rPr>
+              <a:t>)),</a:t>
+            </a:r>
+            <a:br>
+              <a:rPr lang="en-US" b="1" dirty="0">
+                <a:latin typeface="Courier New" panose="02070309020205020404" pitchFamily="49" charset="0"/>
+                <a:cs typeface="Courier New" panose="02070309020205020404" pitchFamily="49" charset="0"/>
+              </a:rPr>
+            </a:br>
+            <a:r>
+              <a:rPr lang="en-US" b="1" dirty="0">
+                <a:latin typeface="Courier New" panose="02070309020205020404" pitchFamily="49" charset="0"/>
+                <a:cs typeface="Courier New" panose="02070309020205020404" pitchFamily="49" charset="0"/>
+              </a:rPr>
+              <a:t>           </a:t>
+            </a:r>
+            <a:r>
+              <a:rPr lang="en-US" b="1" dirty="0">
+                <a:solidFill>
+                  <a:schemeClr val="accent4">
+                    <a:lumMod val="75000"/>
+                  </a:schemeClr>
+                </a:solidFill>
+                <a:latin typeface="Courier New" panose="02070309020205020404" pitchFamily="49" charset="0"/>
+                <a:cs typeface="Courier New" panose="02070309020205020404" pitchFamily="49" charset="0"/>
+              </a:rPr>
+              <a:t>delimiter</a:t>
+            </a:r>
+            <a:r>
+              <a:rPr lang="en-US" b="1" dirty="0">
+                <a:latin typeface="Courier New" panose="02070309020205020404" pitchFamily="49" charset="0"/>
+                <a:cs typeface="Courier New" panose="02070309020205020404" pitchFamily="49" charset="0"/>
+              </a:rPr>
+              <a:t>=</a:t>
+            </a:r>
+            <a:r>
+              <a:rPr lang="en-US" b="1" dirty="0">
+                <a:solidFill>
+                  <a:srgbClr val="00B050"/>
+                </a:solidFill>
+                <a:latin typeface="Courier New" panose="02070309020205020404" pitchFamily="49" charset="0"/>
+                <a:cs typeface="Courier New" panose="02070309020205020404" pitchFamily="49" charset="0"/>
+              </a:rPr>
+              <a:t>','</a:t>
+            </a:r>
+            <a:r>
+              <a:rPr lang="en-US" b="1" dirty="0">
+                <a:latin typeface="Courier New" panose="02070309020205020404" pitchFamily="49" charset="0"/>
+                <a:cs typeface="Courier New" panose="02070309020205020404" pitchFamily="49" charset="0"/>
+              </a:rPr>
+              <a:t>, </a:t>
+            </a:r>
+            <a:r>
+              <a:rPr lang="en-US" b="1" dirty="0" err="1">
+                <a:solidFill>
+                  <a:schemeClr val="accent4">
+                    <a:lumMod val="75000"/>
+                  </a:schemeClr>
+                </a:solidFill>
+                <a:latin typeface="Courier New" panose="02070309020205020404" pitchFamily="49" charset="0"/>
+                <a:cs typeface="Courier New" panose="02070309020205020404" pitchFamily="49" charset="0"/>
+              </a:rPr>
+              <a:t>fmt</a:t>
+            </a:r>
+            <a:r>
+              <a:rPr lang="en-US" b="1" dirty="0">
+                <a:latin typeface="Courier New" panose="02070309020205020404" pitchFamily="49" charset="0"/>
+                <a:cs typeface="Courier New" panose="02070309020205020404" pitchFamily="49" charset="0"/>
+              </a:rPr>
+              <a:t>=</a:t>
+            </a:r>
+            <a:r>
+              <a:rPr lang="en-US" b="1" dirty="0">
+                <a:solidFill>
+                  <a:srgbClr val="00B050"/>
+                </a:solidFill>
+                <a:latin typeface="Courier New" panose="02070309020205020404" pitchFamily="49" charset="0"/>
+                <a:cs typeface="Courier New" panose="02070309020205020404" pitchFamily="49" charset="0"/>
+              </a:rPr>
+              <a:t>'%d'</a:t>
+            </a:r>
+            <a:r>
+              <a:rPr lang="en-US" b="1" dirty="0">
+                <a:latin typeface="Courier New" panose="02070309020205020404" pitchFamily="49" charset="0"/>
+                <a:cs typeface="Courier New" panose="02070309020205020404" pitchFamily="49" charset="0"/>
+              </a:rPr>
+              <a:t>)</a:t>
+            </a:r>
           </a:p>
         </p:txBody>
       </p:sp>
@@ -13224,19 +13145,7 @@
             </a:pPr>
             <a:r>
               <a:rPr lang="en" sz="1600" dirty="0"/>
-              <a:t>White pixels are </a:t>
-            </a:r>
-            <a:r>
-              <a:rPr lang="en" sz="1600" dirty="0" smtClean="0"/>
-              <a:t>0</a:t>
-            </a:r>
-            <a:r>
-              <a:rPr lang="en" sz="1600" dirty="0"/>
-              <a:t> </a:t>
-            </a:r>
-            <a:r>
-              <a:rPr lang="en" sz="1600" dirty="0" smtClean="0"/>
-              <a:t>(0.0)</a:t>
+              <a:t>White pixels are 0 (0.0)</a:t>
             </a:r>
             <a:endParaRPr sz="1600" dirty="0"/>
           </a:p>
@@ -13252,19 +13161,7 @@
             </a:pPr>
             <a:r>
               <a:rPr lang="en" sz="1600" dirty="0"/>
-              <a:t>Black pixels are </a:t>
-            </a:r>
-            <a:r>
-              <a:rPr lang="en" sz="1600" dirty="0" smtClean="0"/>
-              <a:t> 255</a:t>
-            </a:r>
-            <a:r>
-              <a:rPr lang="en" sz="1600" dirty="0"/>
-              <a:t> </a:t>
-            </a:r>
-            <a:r>
-              <a:rPr lang="en" sz="1600" dirty="0" smtClean="0"/>
-              <a:t>(1.0)</a:t>
+              <a:t>Black pixels are  255 (1.0)</a:t>
             </a:r>
             <a:endParaRPr sz="1600" dirty="0"/>
           </a:p>
